--- a/morea/materials/07-Composing.pptx
+++ b/morea/materials/07-Composing.pptx
@@ -231,7 +231,7 @@
           <a:p>
             <a:fld id="{BB6BAE91-212C-F34F-A74B-874A8C7A7F45}" type="datetimeFigureOut">
               <a:rPr lang="en-US" smtClean="0"/>
-              <a:t>2/19/15</a:t>
+              <a:t>2/20/15</a:t>
             </a:fld>
             <a:endParaRPr lang="en-US"/>
           </a:p>
@@ -1075,7 +1075,7 @@
         <p:nvSpPr>
           <p:cNvPr id="32773" name="Rectangle 2"/>
           <p:cNvSpPr>
-            <a:spLocks noChangeArrowheads="1" noTextEdit="1"/>
+            <a:spLocks noGrp="1" noRot="1" noChangeAspect="1" noChangeArrowheads="1" noTextEdit="1"/>
           </p:cNvSpPr>
           <p:nvPr>
             <p:ph type="sldImg"/>
@@ -1656,7 +1656,7 @@
         <p:nvSpPr>
           <p:cNvPr id="34821" name="Rectangle 2"/>
           <p:cNvSpPr>
-            <a:spLocks noChangeArrowheads="1" noTextEdit="1"/>
+            <a:spLocks noGrp="1" noRot="1" noChangeAspect="1" noChangeArrowheads="1" noTextEdit="1"/>
           </p:cNvSpPr>
           <p:nvPr>
             <p:ph type="sldImg"/>
@@ -2237,7 +2237,7 @@
         <p:nvSpPr>
           <p:cNvPr id="36869" name="Rectangle 2"/>
           <p:cNvSpPr>
-            <a:spLocks noChangeArrowheads="1" noTextEdit="1"/>
+            <a:spLocks noGrp="1" noRot="1" noChangeAspect="1" noChangeArrowheads="1" noTextEdit="1"/>
           </p:cNvSpPr>
           <p:nvPr>
             <p:ph type="sldImg"/>
@@ -2818,7 +2818,7 @@
         <p:nvSpPr>
           <p:cNvPr id="38917" name="Rectangle 2"/>
           <p:cNvSpPr>
-            <a:spLocks noChangeArrowheads="1" noTextEdit="1"/>
+            <a:spLocks noGrp="1" noRot="1" noChangeAspect="1" noChangeArrowheads="1" noTextEdit="1"/>
           </p:cNvSpPr>
           <p:nvPr>
             <p:ph type="sldImg"/>
@@ -3399,7 +3399,7 @@
         <p:nvSpPr>
           <p:cNvPr id="40965" name="Rectangle 2"/>
           <p:cNvSpPr>
-            <a:spLocks noChangeArrowheads="1" noTextEdit="1"/>
+            <a:spLocks noGrp="1" noRot="1" noChangeAspect="1" noChangeArrowheads="1" noTextEdit="1"/>
           </p:cNvSpPr>
           <p:nvPr>
             <p:ph type="sldImg"/>
@@ -3980,7 +3980,7 @@
         <p:nvSpPr>
           <p:cNvPr id="43013" name="Rectangle 2"/>
           <p:cNvSpPr>
-            <a:spLocks noChangeArrowheads="1" noTextEdit="1"/>
+            <a:spLocks noGrp="1" noRot="1" noChangeAspect="1" noChangeArrowheads="1" noTextEdit="1"/>
           </p:cNvSpPr>
           <p:nvPr>
             <p:ph type="sldImg"/>
@@ -4561,7 +4561,7 @@
         <p:nvSpPr>
           <p:cNvPr id="45061" name="Rectangle 2"/>
           <p:cNvSpPr>
-            <a:spLocks noChangeArrowheads="1" noTextEdit="1"/>
+            <a:spLocks noGrp="1" noRot="1" noChangeAspect="1" noChangeArrowheads="1" noTextEdit="1"/>
           </p:cNvSpPr>
           <p:nvPr>
             <p:ph type="sldImg"/>
@@ -5142,7 +5142,7 @@
         <p:nvSpPr>
           <p:cNvPr id="47109" name="Rectangle 2"/>
           <p:cNvSpPr>
-            <a:spLocks noChangeArrowheads="1" noTextEdit="1"/>
+            <a:spLocks noGrp="1" noRot="1" noChangeAspect="1" noChangeArrowheads="1" noTextEdit="1"/>
           </p:cNvSpPr>
           <p:nvPr>
             <p:ph type="sldImg"/>
@@ -5723,7 +5723,7 @@
         <p:nvSpPr>
           <p:cNvPr id="49157" name="Rectangle 2"/>
           <p:cNvSpPr>
-            <a:spLocks noChangeArrowheads="1" noTextEdit="1"/>
+            <a:spLocks noGrp="1" noRot="1" noChangeAspect="1" noChangeArrowheads="1" noTextEdit="1"/>
           </p:cNvSpPr>
           <p:nvPr>
             <p:ph type="sldImg"/>
@@ -6304,7 +6304,7 @@
         <p:nvSpPr>
           <p:cNvPr id="51205" name="Rectangle 2"/>
           <p:cNvSpPr>
-            <a:spLocks noChangeArrowheads="1" noTextEdit="1"/>
+            <a:spLocks noGrp="1" noRot="1" noChangeAspect="1" noChangeArrowheads="1" noTextEdit="1"/>
           </p:cNvSpPr>
           <p:nvPr>
             <p:ph type="sldImg"/>
@@ -6975,7 +6975,7 @@
         <p:nvSpPr>
           <p:cNvPr id="53253" name="Rectangle 2"/>
           <p:cNvSpPr>
-            <a:spLocks noChangeArrowheads="1" noTextEdit="1"/>
+            <a:spLocks noGrp="1" noRot="1" noChangeAspect="1" noChangeArrowheads="1" noTextEdit="1"/>
           </p:cNvSpPr>
           <p:nvPr>
             <p:ph type="sldImg"/>
@@ -14788,7 +14788,7 @@
           <a:p>
             <a:fld id="{95D0A52A-683A-E348-B00D-319C34B8C99A}" type="datetimeFigureOut">
               <a:rPr lang="en-US" smtClean="0"/>
-              <a:t>2/19/15</a:t>
+              <a:t>2/20/15</a:t>
             </a:fld>
             <a:endParaRPr lang="en-US"/>
           </a:p>
@@ -14958,7 +14958,7 @@
           <a:p>
             <a:fld id="{95D0A52A-683A-E348-B00D-319C34B8C99A}" type="datetimeFigureOut">
               <a:rPr lang="en-US" smtClean="0"/>
-              <a:t>2/19/15</a:t>
+              <a:t>2/20/15</a:t>
             </a:fld>
             <a:endParaRPr lang="en-US"/>
           </a:p>
@@ -15138,7 +15138,7 @@
           <a:p>
             <a:fld id="{95D0A52A-683A-E348-B00D-319C34B8C99A}" type="datetimeFigureOut">
               <a:rPr lang="en-US" smtClean="0"/>
-              <a:t>2/19/15</a:t>
+              <a:t>2/20/15</a:t>
             </a:fld>
             <a:endParaRPr lang="en-US"/>
           </a:p>
@@ -15308,7 +15308,7 @@
           <a:p>
             <a:fld id="{95D0A52A-683A-E348-B00D-319C34B8C99A}" type="datetimeFigureOut">
               <a:rPr lang="en-US" smtClean="0"/>
-              <a:t>2/19/15</a:t>
+              <a:t>2/20/15</a:t>
             </a:fld>
             <a:endParaRPr lang="en-US"/>
           </a:p>
@@ -15554,7 +15554,7 @@
           <a:p>
             <a:fld id="{95D0A52A-683A-E348-B00D-319C34B8C99A}" type="datetimeFigureOut">
               <a:rPr lang="en-US" smtClean="0"/>
-              <a:t>2/19/15</a:t>
+              <a:t>2/20/15</a:t>
             </a:fld>
             <a:endParaRPr lang="en-US"/>
           </a:p>
@@ -15842,7 +15842,7 @@
           <a:p>
             <a:fld id="{95D0A52A-683A-E348-B00D-319C34B8C99A}" type="datetimeFigureOut">
               <a:rPr lang="en-US" smtClean="0"/>
-              <a:t>2/19/15</a:t>
+              <a:t>2/20/15</a:t>
             </a:fld>
             <a:endParaRPr lang="en-US"/>
           </a:p>
@@ -16264,7 +16264,7 @@
           <a:p>
             <a:fld id="{95D0A52A-683A-E348-B00D-319C34B8C99A}" type="datetimeFigureOut">
               <a:rPr lang="en-US" smtClean="0"/>
-              <a:t>2/19/15</a:t>
+              <a:t>2/20/15</a:t>
             </a:fld>
             <a:endParaRPr lang="en-US"/>
           </a:p>
@@ -16382,7 +16382,7 @@
           <a:p>
             <a:fld id="{95D0A52A-683A-E348-B00D-319C34B8C99A}" type="datetimeFigureOut">
               <a:rPr lang="en-US" smtClean="0"/>
-              <a:t>2/19/15</a:t>
+              <a:t>2/20/15</a:t>
             </a:fld>
             <a:endParaRPr lang="en-US"/>
           </a:p>
@@ -16477,7 +16477,7 @@
           <a:p>
             <a:fld id="{95D0A52A-683A-E348-B00D-319C34B8C99A}" type="datetimeFigureOut">
               <a:rPr lang="en-US" smtClean="0"/>
-              <a:t>2/19/15</a:t>
+              <a:t>2/20/15</a:t>
             </a:fld>
             <a:endParaRPr lang="en-US"/>
           </a:p>
@@ -16754,7 +16754,7 @@
           <a:p>
             <a:fld id="{95D0A52A-683A-E348-B00D-319C34B8C99A}" type="datetimeFigureOut">
               <a:rPr lang="en-US" smtClean="0"/>
-              <a:t>2/19/15</a:t>
+              <a:t>2/20/15</a:t>
             </a:fld>
             <a:endParaRPr lang="en-US"/>
           </a:p>
@@ -17007,7 +17007,7 @@
           <a:p>
             <a:fld id="{95D0A52A-683A-E348-B00D-319C34B8C99A}" type="datetimeFigureOut">
               <a:rPr lang="en-US" smtClean="0"/>
-              <a:t>2/19/15</a:t>
+              <a:t>2/20/15</a:t>
             </a:fld>
             <a:endParaRPr lang="en-US"/>
           </a:p>
@@ -17220,7 +17220,7 @@
           <a:p>
             <a:fld id="{95D0A52A-683A-E348-B00D-319C34B8C99A}" type="datetimeFigureOut">
               <a:rPr lang="en-US" smtClean="0"/>
-              <a:t>2/19/15</a:t>
+              <a:t>2/20/15</a:t>
             </a:fld>
             <a:endParaRPr lang="en-US"/>
           </a:p>
@@ -34492,6 +34492,13 @@
   <p:clrMapOvr>
     <a:masterClrMapping/>
   </p:clrMapOvr>
+  <p:timing>
+    <p:tnLst>
+      <p:par>
+        <p:cTn xmlns:p14="http://schemas.microsoft.com/office/powerpoint/2010/main" id="1" dur="indefinite" restart="never" nodeType="tmRoot"/>
+      </p:par>
+    </p:tnLst>
+  </p:timing>
 </p:sld>
 </file>
 
@@ -34861,6 +34868,13 @@
   <p:clrMapOvr>
     <a:masterClrMapping/>
   </p:clrMapOvr>
+  <p:timing>
+    <p:tnLst>
+      <p:par>
+        <p:cTn xmlns:p14="http://schemas.microsoft.com/office/powerpoint/2010/main" id="1" dur="indefinite" restart="never" nodeType="tmRoot"/>
+      </p:par>
+    </p:tnLst>
+  </p:timing>
 </p:sld>
 </file>
 

--- a/morea/materials/07-Composing.pptx
+++ b/morea/materials/07-Composing.pptx
@@ -231,7 +231,7 @@
           <a:p>
             <a:fld id="{BB6BAE91-212C-F34F-A74B-874A8C7A7F45}" type="datetimeFigureOut">
               <a:rPr lang="en-US" smtClean="0"/>
-              <a:t>2/20/15</a:t>
+              <a:t>2/22/15</a:t>
             </a:fld>
             <a:endParaRPr lang="en-US"/>
           </a:p>
@@ -14788,7 +14788,7 @@
           <a:p>
             <a:fld id="{95D0A52A-683A-E348-B00D-319C34B8C99A}" type="datetimeFigureOut">
               <a:rPr lang="en-US" smtClean="0"/>
-              <a:t>2/20/15</a:t>
+              <a:t>2/22/15</a:t>
             </a:fld>
             <a:endParaRPr lang="en-US"/>
           </a:p>
@@ -14958,7 +14958,7 @@
           <a:p>
             <a:fld id="{95D0A52A-683A-E348-B00D-319C34B8C99A}" type="datetimeFigureOut">
               <a:rPr lang="en-US" smtClean="0"/>
-              <a:t>2/20/15</a:t>
+              <a:t>2/22/15</a:t>
             </a:fld>
             <a:endParaRPr lang="en-US"/>
           </a:p>
@@ -15138,7 +15138,7 @@
           <a:p>
             <a:fld id="{95D0A52A-683A-E348-B00D-319C34B8C99A}" type="datetimeFigureOut">
               <a:rPr lang="en-US" smtClean="0"/>
-              <a:t>2/20/15</a:t>
+              <a:t>2/22/15</a:t>
             </a:fld>
             <a:endParaRPr lang="en-US"/>
           </a:p>
@@ -15308,7 +15308,7 @@
           <a:p>
             <a:fld id="{95D0A52A-683A-E348-B00D-319C34B8C99A}" type="datetimeFigureOut">
               <a:rPr lang="en-US" smtClean="0"/>
-              <a:t>2/20/15</a:t>
+              <a:t>2/22/15</a:t>
             </a:fld>
             <a:endParaRPr lang="en-US"/>
           </a:p>
@@ -15554,7 +15554,7 @@
           <a:p>
             <a:fld id="{95D0A52A-683A-E348-B00D-319C34B8C99A}" type="datetimeFigureOut">
               <a:rPr lang="en-US" smtClean="0"/>
-              <a:t>2/20/15</a:t>
+              <a:t>2/22/15</a:t>
             </a:fld>
             <a:endParaRPr lang="en-US"/>
           </a:p>
@@ -15842,7 +15842,7 @@
           <a:p>
             <a:fld id="{95D0A52A-683A-E348-B00D-319C34B8C99A}" type="datetimeFigureOut">
               <a:rPr lang="en-US" smtClean="0"/>
-              <a:t>2/20/15</a:t>
+              <a:t>2/22/15</a:t>
             </a:fld>
             <a:endParaRPr lang="en-US"/>
           </a:p>
@@ -16264,7 +16264,7 @@
           <a:p>
             <a:fld id="{95D0A52A-683A-E348-B00D-319C34B8C99A}" type="datetimeFigureOut">
               <a:rPr lang="en-US" smtClean="0"/>
-              <a:t>2/20/15</a:t>
+              <a:t>2/22/15</a:t>
             </a:fld>
             <a:endParaRPr lang="en-US"/>
           </a:p>
@@ -16382,7 +16382,7 @@
           <a:p>
             <a:fld id="{95D0A52A-683A-E348-B00D-319C34B8C99A}" type="datetimeFigureOut">
               <a:rPr lang="en-US" smtClean="0"/>
-              <a:t>2/20/15</a:t>
+              <a:t>2/22/15</a:t>
             </a:fld>
             <a:endParaRPr lang="en-US"/>
           </a:p>
@@ -16477,7 +16477,7 @@
           <a:p>
             <a:fld id="{95D0A52A-683A-E348-B00D-319C34B8C99A}" type="datetimeFigureOut">
               <a:rPr lang="en-US" smtClean="0"/>
-              <a:t>2/20/15</a:t>
+              <a:t>2/22/15</a:t>
             </a:fld>
             <a:endParaRPr lang="en-US"/>
           </a:p>
@@ -16754,7 +16754,7 @@
           <a:p>
             <a:fld id="{95D0A52A-683A-E348-B00D-319C34B8C99A}" type="datetimeFigureOut">
               <a:rPr lang="en-US" smtClean="0"/>
-              <a:t>2/20/15</a:t>
+              <a:t>2/22/15</a:t>
             </a:fld>
             <a:endParaRPr lang="en-US"/>
           </a:p>
@@ -17007,7 +17007,7 @@
           <a:p>
             <a:fld id="{95D0A52A-683A-E348-B00D-319C34B8C99A}" type="datetimeFigureOut">
               <a:rPr lang="en-US" smtClean="0"/>
-              <a:t>2/20/15</a:t>
+              <a:t>2/22/15</a:t>
             </a:fld>
             <a:endParaRPr lang="en-US"/>
           </a:p>
@@ -17220,7 +17220,7 @@
           <a:p>
             <a:fld id="{95D0A52A-683A-E348-B00D-319C34B8C99A}" type="datetimeFigureOut">
               <a:rPr lang="en-US" smtClean="0"/>
-              <a:t>2/20/15</a:t>
+              <a:t>2/22/15</a:t>
             </a:fld>
             <a:endParaRPr lang="en-US"/>
           </a:p>
@@ -18211,18 +18211,11 @@
               <a:t>Has a </a:t>
             </a:r>
             <a:r>
-              <a:rPr lang="en-US" sz="2400" dirty="0" err="1" smtClean="0">
-                <a:latin typeface="Calibri"/>
-                <a:cs typeface="Calibri"/>
-              </a:rPr>
-              <a:t>drawvmethod</a:t>
-            </a:r>
-            <a:r>
               <a:rPr lang="en-US" sz="2400" dirty="0" smtClean="0">
                 <a:latin typeface="Calibri"/>
                 <a:cs typeface="Calibri"/>
               </a:rPr>
-              <a:t> </a:t>
+              <a:t>draw method </a:t>
             </a:r>
             <a:r>
               <a:rPr lang="en-US" sz="2400" dirty="0">
@@ -18402,7 +18395,11 @@
           <a:p>
             <a:r>
               <a:rPr lang="en-US" dirty="0" smtClean="0"/>
-              <a:t>Next steps</a:t>
+              <a:t>Next </a:t>
+            </a:r>
+            <a:r>
+              <a:rPr lang="en-US" dirty="0" smtClean="0"/>
+              <a:t>step</a:t>
             </a:r>
             <a:endParaRPr lang="en-US" dirty="0"/>
           </a:p>

--- a/morea/materials/07-Composing.pptx
+++ b/morea/materials/07-Composing.pptx
@@ -203,7 +203,7 @@
           <a:p>
             <a:fld id="{BB6BAE91-212C-F34F-A74B-874A8C7A7F45}" type="datetimeFigureOut">
               <a:rPr lang="en-US" smtClean="0"/>
-              <a:t>2/22/15</a:t>
+              <a:t>2/23/15</a:t>
             </a:fld>
             <a:endParaRPr lang="en-US"/>
           </a:p>
@@ -3898,7 +3898,7 @@
           <a:p>
             <a:fld id="{95D0A52A-683A-E348-B00D-319C34B8C99A}" type="datetimeFigureOut">
               <a:rPr lang="en-US" smtClean="0"/>
-              <a:t>2/22/15</a:t>
+              <a:t>2/23/15</a:t>
             </a:fld>
             <a:endParaRPr lang="en-US"/>
           </a:p>
@@ -4068,7 +4068,7 @@
           <a:p>
             <a:fld id="{95D0A52A-683A-E348-B00D-319C34B8C99A}" type="datetimeFigureOut">
               <a:rPr lang="en-US" smtClean="0"/>
-              <a:t>2/22/15</a:t>
+              <a:t>2/23/15</a:t>
             </a:fld>
             <a:endParaRPr lang="en-US"/>
           </a:p>
@@ -4248,7 +4248,7 @@
           <a:p>
             <a:fld id="{95D0A52A-683A-E348-B00D-319C34B8C99A}" type="datetimeFigureOut">
               <a:rPr lang="en-US" smtClean="0"/>
-              <a:t>2/22/15</a:t>
+              <a:t>2/23/15</a:t>
             </a:fld>
             <a:endParaRPr lang="en-US"/>
           </a:p>
@@ -4418,7 +4418,7 @@
           <a:p>
             <a:fld id="{95D0A52A-683A-E348-B00D-319C34B8C99A}" type="datetimeFigureOut">
               <a:rPr lang="en-US" smtClean="0"/>
-              <a:t>2/22/15</a:t>
+              <a:t>2/23/15</a:t>
             </a:fld>
             <a:endParaRPr lang="en-US"/>
           </a:p>
@@ -4664,7 +4664,7 @@
           <a:p>
             <a:fld id="{95D0A52A-683A-E348-B00D-319C34B8C99A}" type="datetimeFigureOut">
               <a:rPr lang="en-US" smtClean="0"/>
-              <a:t>2/22/15</a:t>
+              <a:t>2/23/15</a:t>
             </a:fld>
             <a:endParaRPr lang="en-US"/>
           </a:p>
@@ -4952,7 +4952,7 @@
           <a:p>
             <a:fld id="{95D0A52A-683A-E348-B00D-319C34B8C99A}" type="datetimeFigureOut">
               <a:rPr lang="en-US" smtClean="0"/>
-              <a:t>2/22/15</a:t>
+              <a:t>2/23/15</a:t>
             </a:fld>
             <a:endParaRPr lang="en-US"/>
           </a:p>
@@ -5374,7 +5374,7 @@
           <a:p>
             <a:fld id="{95D0A52A-683A-E348-B00D-319C34B8C99A}" type="datetimeFigureOut">
               <a:rPr lang="en-US" smtClean="0"/>
-              <a:t>2/22/15</a:t>
+              <a:t>2/23/15</a:t>
             </a:fld>
             <a:endParaRPr lang="en-US"/>
           </a:p>
@@ -5492,7 +5492,7 @@
           <a:p>
             <a:fld id="{95D0A52A-683A-E348-B00D-319C34B8C99A}" type="datetimeFigureOut">
               <a:rPr lang="en-US" smtClean="0"/>
-              <a:t>2/22/15</a:t>
+              <a:t>2/23/15</a:t>
             </a:fld>
             <a:endParaRPr lang="en-US"/>
           </a:p>
@@ -5587,7 +5587,7 @@
           <a:p>
             <a:fld id="{95D0A52A-683A-E348-B00D-319C34B8C99A}" type="datetimeFigureOut">
               <a:rPr lang="en-US" smtClean="0"/>
-              <a:t>2/22/15</a:t>
+              <a:t>2/23/15</a:t>
             </a:fld>
             <a:endParaRPr lang="en-US"/>
           </a:p>
@@ -5864,7 +5864,7 @@
           <a:p>
             <a:fld id="{95D0A52A-683A-E348-B00D-319C34B8C99A}" type="datetimeFigureOut">
               <a:rPr lang="en-US" smtClean="0"/>
-              <a:t>2/22/15</a:t>
+              <a:t>2/23/15</a:t>
             </a:fld>
             <a:endParaRPr lang="en-US"/>
           </a:p>
@@ -6117,7 +6117,7 @@
           <a:p>
             <a:fld id="{95D0A52A-683A-E348-B00D-319C34B8C99A}" type="datetimeFigureOut">
               <a:rPr lang="en-US" smtClean="0"/>
-              <a:t>2/22/15</a:t>
+              <a:t>2/23/15</a:t>
             </a:fld>
             <a:endParaRPr lang="en-US"/>
           </a:p>
@@ -6330,7 +6330,7 @@
           <a:p>
             <a:fld id="{95D0A52A-683A-E348-B00D-319C34B8C99A}" type="datetimeFigureOut">
               <a:rPr lang="en-US" smtClean="0"/>
-              <a:t>2/22/15</a:t>
+              <a:t>2/23/15</a:t>
             </a:fld>
             <a:endParaRPr lang="en-US"/>
           </a:p>
@@ -6919,7 +6919,14 @@
                 <a:latin typeface="Calibri"/>
                 <a:cs typeface="Calibri"/>
               </a:rPr>
-              <a:t>Has a private method </a:t>
+              <a:t>Has a </a:t>
+            </a:r>
+            <a:r>
+              <a:rPr lang="en-US" sz="2400" dirty="0" smtClean="0">
+                <a:latin typeface="Calibri"/>
+                <a:cs typeface="Calibri"/>
+              </a:rPr>
+              <a:t>method </a:t>
             </a:r>
             <a:r>
               <a:rPr lang="en-US" sz="2400" dirty="0" err="1">
@@ -9818,7 +9825,7 @@
 </file>
 
 <file path=ppt/slides/slide7.xml><?xml version="1.0" encoding="utf-8"?>
-<p:sld xmlns:a="http://schemas.openxmlformats.org/drawingml/2006/main" xmlns:r="http://schemas.openxmlformats.org/officeDocument/2006/relationships" xmlns:p="http://schemas.openxmlformats.org/presentationml/2006/main">
+<p:sld xmlns:a="http://schemas.openxmlformats.org/drawingml/2006/main" xmlns:r="http://schemas.openxmlformats.org/officeDocument/2006/relationships" xmlns:p="http://schemas.openxmlformats.org/presentationml/2006/main" show="0">
   <p:cSld>
     <p:spTree>
       <p:nvGrpSpPr>
